--- a/Presentations/Presentation08.pptx
+++ b/Presentations/Presentation08.pptx
@@ -5,15 +5,17 @@
     <p:sldMasterId id="2147483657" r:id="rId4"/>
   </p:sldMasterIdLst>
   <p:notesMasterIdLst>
-    <p:notesMasterId r:id="rId8"/>
+    <p:notesMasterId r:id="rId10"/>
   </p:notesMasterIdLst>
   <p:handoutMasterIdLst>
-    <p:handoutMasterId r:id="rId9"/>
+    <p:handoutMasterId r:id="rId11"/>
   </p:handoutMasterIdLst>
   <p:sldIdLst>
     <p:sldId id="256" r:id="rId5"/>
     <p:sldId id="297" r:id="rId6"/>
     <p:sldId id="298" r:id="rId7"/>
+    <p:sldId id="299" r:id="rId8"/>
+    <p:sldId id="300" r:id="rId9"/>
   </p:sldIdLst>
   <p:sldSz cx="12192000" cy="6858000"/>
   <p:notesSz cx="6858000" cy="9144000"/>
@@ -7122,6 +7124,316 @@
     <p:extLst>
       <p:ext uri="{BB962C8B-B14F-4D97-AF65-F5344CB8AC3E}">
         <p14:creationId xmlns:p14="http://schemas.microsoft.com/office/powerpoint/2010/main" val="231412002"/>
+      </p:ext>
+    </p:extLst>
+  </p:cSld>
+  <p:clrMapOvr>
+    <a:masterClrMapping/>
+  </p:clrMapOvr>
+</p:sld>
+</file>
+
+<file path=ppt/slides/slide4.xml><?xml version="1.0" encoding="utf-8"?>
+<p:sld xmlns:a="http://schemas.openxmlformats.org/drawingml/2006/main" xmlns:r="http://schemas.openxmlformats.org/officeDocument/2006/relationships" xmlns:p="http://schemas.openxmlformats.org/presentationml/2006/main">
+  <p:cSld>
+    <p:spTree>
+      <p:nvGrpSpPr>
+        <p:cNvPr id="1" name=""/>
+        <p:cNvGrpSpPr/>
+        <p:nvPr/>
+      </p:nvGrpSpPr>
+      <p:grpSpPr>
+        <a:xfrm>
+          <a:off x="0" y="0"/>
+          <a:ext cx="0" cy="0"/>
+          <a:chOff x="0" y="0"/>
+          <a:chExt cx="0" cy="0"/>
+        </a:xfrm>
+      </p:grpSpPr>
+      <p:sp>
+        <p:nvSpPr>
+          <p:cNvPr id="2" name="Zástupný symbol pro zápatí 1">
+            <a:extLst>
+              <a:ext uri="{FF2B5EF4-FFF2-40B4-BE49-F238E27FC236}">
+                <a16:creationId xmlns:a16="http://schemas.microsoft.com/office/drawing/2014/main" id="{C3257F60-C79B-5B56-1D23-B7742C70DF3D}"/>
+              </a:ext>
+            </a:extLst>
+          </p:cNvPr>
+          <p:cNvSpPr>
+            <a:spLocks noGrp="1"/>
+          </p:cNvSpPr>
+          <p:nvPr>
+            <p:ph type="ftr" sz="quarter" idx="10"/>
+          </p:nvPr>
+        </p:nvSpPr>
+        <p:spPr/>
+        <p:txBody>
+          <a:bodyPr/>
+          <a:lstStyle/>
+          <a:p>
+            <a:r>
+              <a:rPr lang="cs-CZ" dirty="0"/>
+              <a:t>PV293 - Softwarové architektury</a:t>
+            </a:r>
+          </a:p>
+        </p:txBody>
+      </p:sp>
+      <p:sp>
+        <p:nvSpPr>
+          <p:cNvPr id="3" name="Zástupný symbol pro číslo snímku 2">
+            <a:extLst>
+              <a:ext uri="{FF2B5EF4-FFF2-40B4-BE49-F238E27FC236}">
+                <a16:creationId xmlns:a16="http://schemas.microsoft.com/office/drawing/2014/main" id="{8B627A2C-D3A9-A0BF-8A1F-0431364DFD3C}"/>
+              </a:ext>
+            </a:extLst>
+          </p:cNvPr>
+          <p:cNvSpPr>
+            <a:spLocks noGrp="1"/>
+          </p:cNvSpPr>
+          <p:nvPr>
+            <p:ph type="sldNum" sz="quarter" idx="11"/>
+          </p:nvPr>
+        </p:nvSpPr>
+        <p:spPr/>
+        <p:txBody>
+          <a:bodyPr/>
+          <a:lstStyle/>
+          <a:p>
+            <a:fld id="{0970407D-EE58-4A0B-824B-1D3AE42DD9CF}" type="slidenum">
+              <a:rPr lang="en-GB" altLang="cs-CZ" noProof="0" smtClean="0"/>
+              <a:pPr/>
+              <a:t>4</a:t>
+            </a:fld>
+            <a:endParaRPr lang="en-GB" altLang="cs-CZ" noProof="0" dirty="0"/>
+          </a:p>
+        </p:txBody>
+      </p:sp>
+      <p:sp>
+        <p:nvSpPr>
+          <p:cNvPr id="4" name="Nadpis 3">
+            <a:extLst>
+              <a:ext uri="{FF2B5EF4-FFF2-40B4-BE49-F238E27FC236}">
+                <a16:creationId xmlns:a16="http://schemas.microsoft.com/office/drawing/2014/main" id="{77C131B8-640C-C891-7A82-A659CBE78945}"/>
+              </a:ext>
+            </a:extLst>
+          </p:cNvPr>
+          <p:cNvSpPr>
+            <a:spLocks noGrp="1"/>
+          </p:cNvSpPr>
+          <p:nvPr>
+            <p:ph type="title"/>
+          </p:nvPr>
+        </p:nvSpPr>
+        <p:spPr/>
+        <p:txBody>
+          <a:bodyPr/>
+          <a:lstStyle/>
+          <a:p>
+            <a:r>
+              <a:rPr lang="cs-CZ" dirty="0" err="1"/>
+              <a:t>Modulith</a:t>
+            </a:r>
+            <a:endParaRPr lang="en-US" dirty="0"/>
+          </a:p>
+        </p:txBody>
+      </p:sp>
+      <p:pic>
+        <p:nvPicPr>
+          <p:cNvPr id="7" name="Zástupný obsah 6" descr="Obsah obrázku text, snímek obrazovky, diagram, číslo&#10;&#10;Obsah generovaný pomocí AI může být nesprávný.">
+            <a:extLst>
+              <a:ext uri="{FF2B5EF4-FFF2-40B4-BE49-F238E27FC236}">
+                <a16:creationId xmlns:a16="http://schemas.microsoft.com/office/drawing/2014/main" id="{E0CA10DF-3FD5-22ED-9E8C-A24F372719A4}"/>
+              </a:ext>
+            </a:extLst>
+          </p:cNvPr>
+          <p:cNvPicPr>
+            <a:picLocks noGrp="1" noChangeAspect="1"/>
+          </p:cNvPicPr>
+          <p:nvPr>
+            <p:ph idx="1"/>
+          </p:nvPr>
+        </p:nvPicPr>
+        <p:blipFill>
+          <a:blip r:embed="rId2">
+            <a:extLst>
+              <a:ext uri="{28A0092B-C50C-407E-A947-70E740481C1C}">
+                <a14:useLocalDpi xmlns:a14="http://schemas.microsoft.com/office/drawing/2010/main" val="0"/>
+              </a:ext>
+            </a:extLst>
+          </a:blip>
+          <a:stretch>
+            <a:fillRect/>
+          </a:stretch>
+        </p:blipFill>
+        <p:spPr>
+          <a:xfrm>
+            <a:off x="1517100" y="1439459"/>
+            <a:ext cx="8964980" cy="4536615"/>
+          </a:xfrm>
+        </p:spPr>
+      </p:pic>
+    </p:spTree>
+    <p:extLst>
+      <p:ext uri="{BB962C8B-B14F-4D97-AF65-F5344CB8AC3E}">
+        <p14:creationId xmlns:p14="http://schemas.microsoft.com/office/powerpoint/2010/main" val="2975759383"/>
+      </p:ext>
+    </p:extLst>
+  </p:cSld>
+  <p:clrMapOvr>
+    <a:masterClrMapping/>
+  </p:clrMapOvr>
+</p:sld>
+</file>
+
+<file path=ppt/slides/slide5.xml><?xml version="1.0" encoding="utf-8"?>
+<p:sld xmlns:a="http://schemas.openxmlformats.org/drawingml/2006/main" xmlns:r="http://schemas.openxmlformats.org/officeDocument/2006/relationships" xmlns:p="http://schemas.openxmlformats.org/presentationml/2006/main">
+  <p:cSld>
+    <p:spTree>
+      <p:nvGrpSpPr>
+        <p:cNvPr id="1" name="">
+          <a:extLst>
+            <a:ext uri="{FF2B5EF4-FFF2-40B4-BE49-F238E27FC236}">
+              <a16:creationId xmlns:a16="http://schemas.microsoft.com/office/drawing/2014/main" id="{D56B9225-DB04-8669-703C-CB31567828FA}"/>
+            </a:ext>
+          </a:extLst>
+        </p:cNvPr>
+        <p:cNvGrpSpPr/>
+        <p:nvPr/>
+      </p:nvGrpSpPr>
+      <p:grpSpPr>
+        <a:xfrm>
+          <a:off x="0" y="0"/>
+          <a:ext cx="0" cy="0"/>
+          <a:chOff x="0" y="0"/>
+          <a:chExt cx="0" cy="0"/>
+        </a:xfrm>
+      </p:grpSpPr>
+      <p:sp>
+        <p:nvSpPr>
+          <p:cNvPr id="2" name="Zástupný symbol pro zápatí 1">
+            <a:extLst>
+              <a:ext uri="{FF2B5EF4-FFF2-40B4-BE49-F238E27FC236}">
+                <a16:creationId xmlns:a16="http://schemas.microsoft.com/office/drawing/2014/main" id="{1561AF0B-8D6B-605B-DD25-D9034B649077}"/>
+              </a:ext>
+            </a:extLst>
+          </p:cNvPr>
+          <p:cNvSpPr>
+            <a:spLocks noGrp="1"/>
+          </p:cNvSpPr>
+          <p:nvPr>
+            <p:ph type="ftr" sz="quarter" idx="10"/>
+          </p:nvPr>
+        </p:nvSpPr>
+        <p:spPr/>
+        <p:txBody>
+          <a:bodyPr/>
+          <a:lstStyle/>
+          <a:p>
+            <a:r>
+              <a:rPr lang="cs-CZ" dirty="0"/>
+              <a:t>PV293 - Softwarové architektury</a:t>
+            </a:r>
+          </a:p>
+        </p:txBody>
+      </p:sp>
+      <p:sp>
+        <p:nvSpPr>
+          <p:cNvPr id="3" name="Zástupný symbol pro číslo snímku 2">
+            <a:extLst>
+              <a:ext uri="{FF2B5EF4-FFF2-40B4-BE49-F238E27FC236}">
+                <a16:creationId xmlns:a16="http://schemas.microsoft.com/office/drawing/2014/main" id="{F376419F-85D5-D660-C70A-0A74627E2FB4}"/>
+              </a:ext>
+            </a:extLst>
+          </p:cNvPr>
+          <p:cNvSpPr>
+            <a:spLocks noGrp="1"/>
+          </p:cNvSpPr>
+          <p:nvPr>
+            <p:ph type="sldNum" sz="quarter" idx="11"/>
+          </p:nvPr>
+        </p:nvSpPr>
+        <p:spPr/>
+        <p:txBody>
+          <a:bodyPr/>
+          <a:lstStyle/>
+          <a:p>
+            <a:fld id="{0970407D-EE58-4A0B-824B-1D3AE42DD9CF}" type="slidenum">
+              <a:rPr lang="en-GB" altLang="cs-CZ" noProof="0" smtClean="0"/>
+              <a:pPr/>
+              <a:t>5</a:t>
+            </a:fld>
+            <a:endParaRPr lang="en-GB" altLang="cs-CZ" noProof="0" dirty="0"/>
+          </a:p>
+        </p:txBody>
+      </p:sp>
+      <p:sp>
+        <p:nvSpPr>
+          <p:cNvPr id="4" name="Nadpis 3">
+            <a:extLst>
+              <a:ext uri="{FF2B5EF4-FFF2-40B4-BE49-F238E27FC236}">
+                <a16:creationId xmlns:a16="http://schemas.microsoft.com/office/drawing/2014/main" id="{4B694161-C422-2C21-B690-67A467109BCB}"/>
+              </a:ext>
+            </a:extLst>
+          </p:cNvPr>
+          <p:cNvSpPr>
+            <a:spLocks noGrp="1"/>
+          </p:cNvSpPr>
+          <p:nvPr>
+            <p:ph type="title"/>
+          </p:nvPr>
+        </p:nvSpPr>
+        <p:spPr/>
+        <p:txBody>
+          <a:bodyPr/>
+          <a:lstStyle/>
+          <a:p>
+            <a:r>
+              <a:rPr lang="cs-CZ" dirty="0" err="1"/>
+              <a:t>Messaging</a:t>
+            </a:r>
+            <a:endParaRPr lang="en-US" dirty="0"/>
+          </a:p>
+        </p:txBody>
+      </p:sp>
+      <p:pic>
+        <p:nvPicPr>
+          <p:cNvPr id="9" name="Zástupný obsah 8" descr="Obsah obrázku text, snímek obrazovky, diagram, design&#10;&#10;Obsah generovaný pomocí AI může být nesprávný.">
+            <a:extLst>
+              <a:ext uri="{FF2B5EF4-FFF2-40B4-BE49-F238E27FC236}">
+                <a16:creationId xmlns:a16="http://schemas.microsoft.com/office/drawing/2014/main" id="{81281C83-E540-6CF1-D058-F34C50648F8A}"/>
+              </a:ext>
+            </a:extLst>
+          </p:cNvPr>
+          <p:cNvPicPr>
+            <a:picLocks noGrp="1" noChangeAspect="1"/>
+          </p:cNvPicPr>
+          <p:nvPr>
+            <p:ph idx="1"/>
+          </p:nvPr>
+        </p:nvPicPr>
+        <p:blipFill>
+          <a:blip r:embed="rId2">
+            <a:extLst>
+              <a:ext uri="{28A0092B-C50C-407E-A947-70E740481C1C}">
+                <a14:useLocalDpi xmlns:a14="http://schemas.microsoft.com/office/drawing/2010/main" val="0"/>
+              </a:ext>
+            </a:extLst>
+          </a:blip>
+          <a:stretch>
+            <a:fillRect/>
+          </a:stretch>
+        </p:blipFill>
+        <p:spPr>
+          <a:xfrm>
+            <a:off x="4461012" y="572248"/>
+            <a:ext cx="4863643" cy="5190377"/>
+          </a:xfrm>
+        </p:spPr>
+      </p:pic>
+    </p:spTree>
+    <p:extLst>
+      <p:ext uri="{BB962C8B-B14F-4D97-AF65-F5344CB8AC3E}">
+        <p14:creationId xmlns:p14="http://schemas.microsoft.com/office/powerpoint/2010/main" val="34476203"/>
       </p:ext>
     </p:extLst>
   </p:cSld>

--- a/Presentations/Presentation08.pptx
+++ b/Presentations/Presentation08.pptx
@@ -5,10 +5,10 @@
     <p:sldMasterId id="2147483657" r:id="rId4"/>
   </p:sldMasterIdLst>
   <p:notesMasterIdLst>
-    <p:notesMasterId r:id="rId10"/>
+    <p:notesMasterId r:id="rId11"/>
   </p:notesMasterIdLst>
   <p:handoutMasterIdLst>
-    <p:handoutMasterId r:id="rId11"/>
+    <p:handoutMasterId r:id="rId12"/>
   </p:handoutMasterIdLst>
   <p:sldIdLst>
     <p:sldId id="256" r:id="rId5"/>
@@ -16,6 +16,7 @@
     <p:sldId id="298" r:id="rId7"/>
     <p:sldId id="299" r:id="rId8"/>
     <p:sldId id="300" r:id="rId9"/>
+    <p:sldId id="301" r:id="rId10"/>
   </p:sldIdLst>
   <p:sldSz cx="12192000" cy="6858000"/>
   <p:notesSz cx="6858000" cy="9144000"/>
@@ -7434,6 +7435,255 @@
     <p:extLst>
       <p:ext uri="{BB962C8B-B14F-4D97-AF65-F5344CB8AC3E}">
         <p14:creationId xmlns:p14="http://schemas.microsoft.com/office/powerpoint/2010/main" val="34476203"/>
+      </p:ext>
+    </p:extLst>
+  </p:cSld>
+  <p:clrMapOvr>
+    <a:masterClrMapping/>
+  </p:clrMapOvr>
+</p:sld>
+</file>
+
+<file path=ppt/slides/slide6.xml><?xml version="1.0" encoding="utf-8"?>
+<p:sld xmlns:a="http://schemas.openxmlformats.org/drawingml/2006/main" xmlns:r="http://schemas.openxmlformats.org/officeDocument/2006/relationships" xmlns:p="http://schemas.openxmlformats.org/presentationml/2006/main">
+  <p:cSld>
+    <p:spTree>
+      <p:nvGrpSpPr>
+        <p:cNvPr id="1" name="">
+          <a:extLst>
+            <a:ext uri="{FF2B5EF4-FFF2-40B4-BE49-F238E27FC236}">
+              <a16:creationId xmlns:a16="http://schemas.microsoft.com/office/drawing/2014/main" id="{613C6720-E3DD-2E6C-61C8-2FFE890DBCA5}"/>
+            </a:ext>
+          </a:extLst>
+        </p:cNvPr>
+        <p:cNvGrpSpPr/>
+        <p:nvPr/>
+      </p:nvGrpSpPr>
+      <p:grpSpPr>
+        <a:xfrm>
+          <a:off x="0" y="0"/>
+          <a:ext cx="0" cy="0"/>
+          <a:chOff x="0" y="0"/>
+          <a:chExt cx="0" cy="0"/>
+        </a:xfrm>
+      </p:grpSpPr>
+      <p:sp>
+        <p:nvSpPr>
+          <p:cNvPr id="2" name="Zástupný symbol pro zápatí 1">
+            <a:extLst>
+              <a:ext uri="{FF2B5EF4-FFF2-40B4-BE49-F238E27FC236}">
+                <a16:creationId xmlns:a16="http://schemas.microsoft.com/office/drawing/2014/main" id="{89DE4C32-F564-D6D2-8F4D-FB0301E3C8B4}"/>
+              </a:ext>
+            </a:extLst>
+          </p:cNvPr>
+          <p:cNvSpPr>
+            <a:spLocks noGrp="1"/>
+          </p:cNvSpPr>
+          <p:nvPr>
+            <p:ph type="ftr" sz="quarter" idx="10"/>
+          </p:nvPr>
+        </p:nvSpPr>
+        <p:spPr/>
+        <p:txBody>
+          <a:bodyPr/>
+          <a:lstStyle/>
+          <a:p>
+            <a:r>
+              <a:rPr lang="cs-CZ" dirty="0"/>
+              <a:t>PV293 - Softwarové architektury</a:t>
+            </a:r>
+          </a:p>
+        </p:txBody>
+      </p:sp>
+      <p:sp>
+        <p:nvSpPr>
+          <p:cNvPr id="3" name="Zástupný symbol pro číslo snímku 2">
+            <a:extLst>
+              <a:ext uri="{FF2B5EF4-FFF2-40B4-BE49-F238E27FC236}">
+                <a16:creationId xmlns:a16="http://schemas.microsoft.com/office/drawing/2014/main" id="{059296AD-B9C8-D099-B6C4-6F6CB3E81512}"/>
+              </a:ext>
+            </a:extLst>
+          </p:cNvPr>
+          <p:cNvSpPr>
+            <a:spLocks noGrp="1"/>
+          </p:cNvSpPr>
+          <p:nvPr>
+            <p:ph type="sldNum" sz="quarter" idx="11"/>
+          </p:nvPr>
+        </p:nvSpPr>
+        <p:spPr/>
+        <p:txBody>
+          <a:bodyPr/>
+          <a:lstStyle/>
+          <a:p>
+            <a:fld id="{0970407D-EE58-4A0B-824B-1D3AE42DD9CF}" type="slidenum">
+              <a:rPr lang="en-GB" altLang="cs-CZ" noProof="0" smtClean="0"/>
+              <a:pPr/>
+              <a:t>6</a:t>
+            </a:fld>
+            <a:endParaRPr lang="en-GB" altLang="cs-CZ" noProof="0" dirty="0"/>
+          </a:p>
+        </p:txBody>
+      </p:sp>
+      <p:sp>
+        <p:nvSpPr>
+          <p:cNvPr id="4" name="Nadpis 3">
+            <a:extLst>
+              <a:ext uri="{FF2B5EF4-FFF2-40B4-BE49-F238E27FC236}">
+                <a16:creationId xmlns:a16="http://schemas.microsoft.com/office/drawing/2014/main" id="{7D6F78C6-66D8-47A1-BC33-2C6D8A1E9388}"/>
+              </a:ext>
+            </a:extLst>
+          </p:cNvPr>
+          <p:cNvSpPr>
+            <a:spLocks noGrp="1"/>
+          </p:cNvSpPr>
+          <p:nvPr>
+            <p:ph type="title"/>
+          </p:nvPr>
+        </p:nvSpPr>
+        <p:spPr/>
+        <p:txBody>
+          <a:bodyPr/>
+          <a:lstStyle/>
+          <a:p>
+            <a:r>
+              <a:rPr lang="cs-CZ" dirty="0"/>
+              <a:t>Doporučená literatura k předmětu</a:t>
+            </a:r>
+            <a:endParaRPr lang="en-US" dirty="0"/>
+          </a:p>
+        </p:txBody>
+      </p:sp>
+      <p:sp>
+        <p:nvSpPr>
+          <p:cNvPr id="6" name="Zástupný obsah 5">
+            <a:extLst>
+              <a:ext uri="{FF2B5EF4-FFF2-40B4-BE49-F238E27FC236}">
+                <a16:creationId xmlns:a16="http://schemas.microsoft.com/office/drawing/2014/main" id="{7DF8DA24-E6AC-1C13-AC55-B6E601B2231F}"/>
+              </a:ext>
+            </a:extLst>
+          </p:cNvPr>
+          <p:cNvSpPr>
+            <a:spLocks noGrp="1"/>
+          </p:cNvSpPr>
+          <p:nvPr>
+            <p:ph idx="1"/>
+          </p:nvPr>
+        </p:nvSpPr>
+        <p:spPr/>
+        <p:txBody>
+          <a:bodyPr/>
+          <a:lstStyle/>
+          <a:p>
+            <a:pPr>
+              <a:lnSpc>
+                <a:spcPct val="150000"/>
+              </a:lnSpc>
+            </a:pPr>
+            <a:r>
+              <a:rPr lang="en-US" sz="2400" dirty="0"/>
+              <a:t>Domain-Driven Design Distilled</a:t>
+            </a:r>
+            <a:r>
+              <a:rPr lang="cs-CZ" sz="2400" dirty="0"/>
+              <a:t> - </a:t>
+            </a:r>
+            <a:r>
+              <a:rPr lang="cs-CZ" sz="2400" dirty="0" err="1"/>
+              <a:t>Vaughn</a:t>
+            </a:r>
+            <a:r>
+              <a:rPr lang="cs-CZ" sz="2400" dirty="0"/>
+              <a:t> </a:t>
+            </a:r>
+            <a:r>
+              <a:rPr lang="cs-CZ" sz="2400" dirty="0" err="1"/>
+              <a:t>Vernon</a:t>
+            </a:r>
+            <a:endParaRPr lang="cs-CZ" sz="2400" dirty="0"/>
+          </a:p>
+          <a:p>
+            <a:pPr>
+              <a:lnSpc>
+                <a:spcPct val="150000"/>
+              </a:lnSpc>
+            </a:pPr>
+            <a:r>
+              <a:rPr lang="cs-CZ" sz="2400" dirty="0"/>
+              <a:t>Learning </a:t>
+            </a:r>
+            <a:r>
+              <a:rPr lang="cs-CZ" sz="2400" dirty="0" err="1"/>
+              <a:t>Domain-Driven</a:t>
+            </a:r>
+            <a:r>
+              <a:rPr lang="cs-CZ" sz="2400" dirty="0"/>
+              <a:t> Design -  </a:t>
+            </a:r>
+            <a:r>
+              <a:rPr lang="cs-CZ" sz="2400" dirty="0" err="1"/>
+              <a:t>Vlad</a:t>
+            </a:r>
+            <a:r>
+              <a:rPr lang="cs-CZ" sz="2400" dirty="0"/>
+              <a:t> </a:t>
+            </a:r>
+            <a:r>
+              <a:rPr lang="cs-CZ" sz="2400" dirty="0" err="1"/>
+              <a:t>Khononov</a:t>
+            </a:r>
+            <a:endParaRPr lang="cs-CZ" sz="2400" dirty="0"/>
+          </a:p>
+          <a:p>
+            <a:pPr>
+              <a:lnSpc>
+                <a:spcPct val="150000"/>
+              </a:lnSpc>
+            </a:pPr>
+            <a:r>
+              <a:rPr lang="en-US" sz="2400" dirty="0"/>
+              <a:t>Master Software Architecture: A Pragmatic Guide</a:t>
+            </a:r>
+            <a:r>
+              <a:rPr lang="cs-CZ" sz="2400" dirty="0"/>
+              <a:t> - Maciej </a:t>
+            </a:r>
+            <a:r>
+              <a:rPr lang="cs-CZ" sz="2400" dirty="0" err="1"/>
+              <a:t>Jedrzejewski</a:t>
+            </a:r>
+            <a:endParaRPr lang="cs-CZ" sz="2400" dirty="0"/>
+          </a:p>
+          <a:p>
+            <a:pPr>
+              <a:lnSpc>
+                <a:spcPct val="150000"/>
+              </a:lnSpc>
+            </a:pPr>
+            <a:r>
+              <a:rPr lang="cs-CZ" sz="2400" dirty="0"/>
+              <a:t>Publikace od Oskara </a:t>
+            </a:r>
+            <a:r>
+              <a:rPr lang="cs-CZ" sz="2400" dirty="0" err="1"/>
+              <a:t>Dudycze</a:t>
+            </a:r>
+            <a:endParaRPr lang="cs-CZ" sz="2400" dirty="0"/>
+          </a:p>
+          <a:p>
+            <a:pPr>
+              <a:lnSpc>
+                <a:spcPct val="150000"/>
+              </a:lnSpc>
+            </a:pPr>
+            <a:endParaRPr lang="en-US" sz="2400" dirty="0"/>
+          </a:p>
+        </p:txBody>
+      </p:sp>
+    </p:spTree>
+    <p:extLst>
+      <p:ext uri="{BB962C8B-B14F-4D97-AF65-F5344CB8AC3E}">
+        <p14:creationId xmlns:p14="http://schemas.microsoft.com/office/powerpoint/2010/main" val="757782244"/>
       </p:ext>
     </p:extLst>
   </p:cSld>
@@ -8742,12 +8992,11 @@
 </file>
 
 <file path=customXml/item1.xml><?xml version="1.0" encoding="utf-8"?>
-<?mso-contentType ?>
-<FormTemplates xmlns="http://schemas.microsoft.com/sharepoint/v3/contenttype/forms">
-  <Display>DocumentLibraryForm</Display>
-  <Edit>DocumentLibraryForm</Edit>
-  <New>DocumentLibraryForm</New>
-</FormTemplates>
+<p:properties xmlns:p="http://schemas.microsoft.com/office/2006/metadata/properties" xmlns:xsi="http://www.w3.org/2001/XMLSchema-instance" xmlns:pc="http://schemas.microsoft.com/office/infopath/2007/PartnerControls">
+  <documentManagement>
+    <_activity xmlns="c8f3fc2c-a3ba-4a56-b225-dd01e3cef7b1" xsi:nil="true"/>
+  </documentManagement>
+</p:properties>
 </file>
 
 <file path=customXml/item2.xml><?xml version="1.0" encoding="utf-8"?>
@@ -8998,17 +9247,27 @@
 </file>
 
 <file path=customXml/item3.xml><?xml version="1.0" encoding="utf-8"?>
-<p:properties xmlns:p="http://schemas.microsoft.com/office/2006/metadata/properties" xmlns:xsi="http://www.w3.org/2001/XMLSchema-instance" xmlns:pc="http://schemas.microsoft.com/office/infopath/2007/PartnerControls">
-  <documentManagement>
-    <_activity xmlns="c8f3fc2c-a3ba-4a56-b225-dd01e3cef7b1" xsi:nil="true"/>
-  </documentManagement>
-</p:properties>
+<?mso-contentType ?>
+<FormTemplates xmlns="http://schemas.microsoft.com/sharepoint/v3/contenttype/forms">
+  <Display>DocumentLibraryForm</Display>
+  <Edit>DocumentLibraryForm</Edit>
+  <New>DocumentLibraryForm</New>
+</FormTemplates>
 </file>
 
 <file path=customXml/itemProps1.xml><?xml version="1.0" encoding="utf-8"?>
-<ds:datastoreItem xmlns:ds="http://schemas.openxmlformats.org/officeDocument/2006/customXml" ds:itemID="{DD470258-C907-4A62-B6C3-E0C32F10A7DD}">
+<ds:datastoreItem xmlns:ds="http://schemas.openxmlformats.org/officeDocument/2006/customXml" ds:itemID="{E6352A82-6F1D-4C88-8599-6115178EC008}">
   <ds:schemaRefs>
-    <ds:schemaRef ds:uri="http://schemas.microsoft.com/sharepoint/v3/contenttype/forms"/>
+    <ds:schemaRef ds:uri="http://schemas.microsoft.com/office/infopath/2007/PartnerControls"/>
+    <ds:schemaRef ds:uri="http://purl.org/dc/terms/"/>
+    <ds:schemaRef ds:uri="http://www.w3.org/XML/1998/namespace"/>
+    <ds:schemaRef ds:uri="1b03cdca-bcb3-481d-aaaa-ac59088b2c30"/>
+    <ds:schemaRef ds:uri="http://schemas.microsoft.com/office/2006/documentManagement/types"/>
+    <ds:schemaRef ds:uri="http://schemas.microsoft.com/office/2006/metadata/properties"/>
+    <ds:schemaRef ds:uri="http://purl.org/dc/elements/1.1/"/>
+    <ds:schemaRef ds:uri="http://purl.org/dc/dcmitype/"/>
+    <ds:schemaRef ds:uri="http://schemas.openxmlformats.org/package/2006/metadata/core-properties"/>
+    <ds:schemaRef ds:uri="c8f3fc2c-a3ba-4a56-b225-dd01e3cef7b1"/>
   </ds:schemaRefs>
 </ds:datastoreItem>
 </file>
@@ -9033,18 +9292,9 @@
 </file>
 
 <file path=customXml/itemProps3.xml><?xml version="1.0" encoding="utf-8"?>
-<ds:datastoreItem xmlns:ds="http://schemas.openxmlformats.org/officeDocument/2006/customXml" ds:itemID="{E6352A82-6F1D-4C88-8599-6115178EC008}">
+<ds:datastoreItem xmlns:ds="http://schemas.openxmlformats.org/officeDocument/2006/customXml" ds:itemID="{DD470258-C907-4A62-B6C3-E0C32F10A7DD}">
   <ds:schemaRefs>
-    <ds:schemaRef ds:uri="http://schemas.microsoft.com/office/infopath/2007/PartnerControls"/>
-    <ds:schemaRef ds:uri="http://purl.org/dc/terms/"/>
-    <ds:schemaRef ds:uri="http://www.w3.org/XML/1998/namespace"/>
-    <ds:schemaRef ds:uri="1b03cdca-bcb3-481d-aaaa-ac59088b2c30"/>
-    <ds:schemaRef ds:uri="http://schemas.microsoft.com/office/2006/documentManagement/types"/>
-    <ds:schemaRef ds:uri="http://schemas.microsoft.com/office/2006/metadata/properties"/>
-    <ds:schemaRef ds:uri="http://purl.org/dc/elements/1.1/"/>
-    <ds:schemaRef ds:uri="http://purl.org/dc/dcmitype/"/>
-    <ds:schemaRef ds:uri="http://schemas.openxmlformats.org/package/2006/metadata/core-properties"/>
-    <ds:schemaRef ds:uri="c8f3fc2c-a3ba-4a56-b225-dd01e3cef7b1"/>
+    <ds:schemaRef ds:uri="http://schemas.microsoft.com/sharepoint/v3/contenttype/forms"/>
   </ds:schemaRefs>
 </ds:datastoreItem>
 </file>